--- a/notes/chars.pptx
+++ b/notes/chars.pptx
@@ -6360,13 +6360,8 @@
           <a:p>
             <a:r>
               <a:rPr lang="en-US" dirty="0"/>
-              <a:t>CSV is the least flexible but the most </a:t>
-            </a:r>
-            <a:r>
-              <a:rPr lang="en-US"/>
-              <a:t>dense text format</a:t>
-            </a:r>
-            <a:endParaRPr lang="en-US" dirty="0"/>
+              <a:t>CSV is the least flexible but the most dense text format</a:t>
+            </a:r>
           </a:p>
         </p:txBody>
       </p:sp>
